--- a/java/java-logic/Slide-Java-Logic-00.pptx
+++ b/java/java-logic/Slide-Java-Logic-00.pptx
@@ -5,7 +5,7 @@
     <p:sldMasterId id="2147483657" r:id="rId1"/>
   </p:sldMasterIdLst>
   <p:notesMasterIdLst>
-    <p:notesMasterId r:id="rId15"/>
+    <p:notesMasterId r:id="rId24"/>
   </p:notesMasterIdLst>
   <p:sldIdLst>
     <p:sldId id="256" r:id="rId2"/>
@@ -21,30 +21,39 @@
     <p:sldId id="343" r:id="rId12"/>
     <p:sldId id="303" r:id="rId13"/>
     <p:sldId id="344" r:id="rId14"/>
+    <p:sldId id="345" r:id="rId15"/>
+    <p:sldId id="346" r:id="rId16"/>
+    <p:sldId id="347" r:id="rId17"/>
+    <p:sldId id="348" r:id="rId18"/>
+    <p:sldId id="349" r:id="rId19"/>
+    <p:sldId id="350" r:id="rId20"/>
+    <p:sldId id="351" r:id="rId21"/>
+    <p:sldId id="352" r:id="rId22"/>
+    <p:sldId id="353" r:id="rId23"/>
   </p:sldIdLst>
   <p:sldSz cx="9144000" cy="5143500" type="screen16x9"/>
   <p:notesSz cx="6858000" cy="9144000"/>
   <p:embeddedFontLst>
     <p:embeddedFont>
-      <p:font typeface="Arvo" panose="02000000000000000000" pitchFamily="2" charset="77"/>
-      <p:regular r:id="rId16"/>
-      <p:bold r:id="rId17"/>
-      <p:italic r:id="rId18"/>
-      <p:boldItalic r:id="rId19"/>
+      <p:font typeface="Arvo" panose="020B0604020202020204" charset="0"/>
+      <p:regular r:id="rId25"/>
+      <p:bold r:id="rId26"/>
+      <p:italic r:id="rId27"/>
+      <p:boldItalic r:id="rId28"/>
     </p:embeddedFont>
     <p:embeddedFont>
-      <p:font typeface="Roboto Condensed" panose="02000000000000000000" pitchFamily="2" charset="0"/>
-      <p:regular r:id="rId20"/>
-      <p:bold r:id="rId21"/>
-      <p:italic r:id="rId22"/>
-      <p:boldItalic r:id="rId23"/>
+      <p:font typeface="Roboto Condensed" panose="020B0604020202020204" charset="0"/>
+      <p:regular r:id="rId29"/>
+      <p:bold r:id="rId30"/>
+      <p:italic r:id="rId31"/>
+      <p:boldItalic r:id="rId32"/>
     </p:embeddedFont>
     <p:embeddedFont>
-      <p:font typeface="Roboto Condensed Light" panose="02000000000000000000" pitchFamily="2" charset="0"/>
-      <p:regular r:id="rId24"/>
-      <p:bold r:id="rId25"/>
-      <p:italic r:id="rId26"/>
-      <p:boldItalic r:id="rId27"/>
+      <p:font typeface="Roboto Condensed Light" panose="020B0604020202020204" charset="0"/>
+      <p:regular r:id="rId33"/>
+      <p:bold r:id="rId34"/>
+      <p:italic r:id="rId35"/>
+      <p:boldItalic r:id="rId36"/>
     </p:embeddedFont>
   </p:embeddedFontLst>
   <p:defaultTextStyle>
@@ -5793,7 +5802,7 @@
           <a:p>
             <a:r>
               <a:rPr lang="en-US" dirty="0"/>
-              <a:t>Day 08</a:t>
+              <a:t>Day 08, Day 09</a:t>
             </a:r>
             <a:endParaRPr lang="en-ID" dirty="0"/>
           </a:p>
@@ -5821,20 +5830,14 @@
           <a:lstStyle/>
           <a:p>
             <a:r>
-              <a:rPr lang="en-US" dirty="0"/>
-              <a:t>Introduction SQL</a:t>
-            </a:r>
-          </a:p>
-          <a:p>
-            <a:r>
-              <a:rPr lang="en-US" dirty="0"/>
-              <a:t>Syntax</a:t>
+              <a:rPr lang="en-ID" dirty="0"/>
+              <a:t>DDL </a:t>
             </a:r>
           </a:p>
           <a:p>
             <a:r>
               <a:rPr lang="en-ID" dirty="0"/>
-              <a:t>DDL</a:t>
+              <a:t>DML</a:t>
             </a:r>
           </a:p>
         </p:txBody>
@@ -5930,7 +5933,7 @@
           <a:p>
             <a:r>
               <a:rPr lang="en-US" dirty="0"/>
-              <a:t>Day 09</a:t>
+              <a:t>Day 09,10</a:t>
             </a:r>
             <a:endParaRPr lang="en-ID" dirty="0"/>
           </a:p>
@@ -6255,35 +6258,43 @@
           <a:bodyPr/>
           <a:lstStyle/>
           <a:p>
-            <a:endParaRPr lang="en-US" dirty="0"/>
+            <a:r>
+              <a:rPr lang="en-US" dirty="0"/>
+              <a:t>Logic 01</a:t>
+            </a:r>
           </a:p>
         </p:txBody>
       </p:sp>
-      <p:sp>
-        <p:nvSpPr>
-          <p:cNvPr id="6" name="Text Placeholder 5">
+      <p:pic>
+        <p:nvPicPr>
+          <p:cNvPr id="2" name="Picture 1">
             <a:extLst>
               <a:ext uri="{FF2B5EF4-FFF2-40B4-BE49-F238E27FC236}">
-                <a16:creationId xmlns:a16="http://schemas.microsoft.com/office/drawing/2014/main" id="{CFCD90A1-4B50-A547-A7A4-906CFC266011}"/>
+                <a16:creationId xmlns:a16="http://schemas.microsoft.com/office/drawing/2014/main" id="{A28E748B-343D-4039-8F89-B45943363DBE}"/>
               </a:ext>
             </a:extLst>
           </p:cNvPr>
-          <p:cNvSpPr>
-            <a:spLocks noGrp="1"/>
-          </p:cNvSpPr>
-          <p:nvPr>
-            <p:ph type="body" idx="1"/>
-          </p:nvPr>
-        </p:nvSpPr>
-        <p:spPr/>
-        <p:txBody>
-          <a:bodyPr anchor="t"/>
-          <a:lstStyle/>
-          <a:p>
-            <a:endParaRPr lang="en-US" sz="1600" dirty="0"/>
-          </a:p>
-        </p:txBody>
-      </p:sp>
+          <p:cNvPicPr>
+            <a:picLocks noChangeAspect="1"/>
+          </p:cNvPicPr>
+          <p:nvPr/>
+        </p:nvPicPr>
+        <p:blipFill>
+          <a:blip r:embed="rId2"/>
+          <a:stretch>
+            <a:fillRect/>
+          </a:stretch>
+        </p:blipFill>
+        <p:spPr>
+          <a:xfrm>
+            <a:off x="805807" y="1339729"/>
+            <a:ext cx="4985393" cy="3619733"/>
+          </a:xfrm>
+          <a:prstGeom prst="rect">
+            <a:avLst/>
+          </a:prstGeom>
+        </p:spPr>
+      </p:pic>
       <p:sp>
         <p:nvSpPr>
           <p:cNvPr id="4" name="Slide Number Placeholder 3">
@@ -6326,6 +6337,798 @@
     <p:extLst>
       <p:ext uri="{BB962C8B-B14F-4D97-AF65-F5344CB8AC3E}">
         <p14:creationId xmlns:p14="http://schemas.microsoft.com/office/powerpoint/2010/main" val="2149901387"/>
+      </p:ext>
+    </p:extLst>
+  </p:cSld>
+  <p:clrMapOvr>
+    <a:masterClrMapping/>
+  </p:clrMapOvr>
+</p:sld>
+</file>
+
+<file path=ppt/slides/slide14.xml><?xml version="1.0" encoding="utf-8"?>
+<p:sld xmlns:a="http://schemas.openxmlformats.org/drawingml/2006/main" xmlns:r="http://schemas.openxmlformats.org/officeDocument/2006/relationships" xmlns:p="http://schemas.openxmlformats.org/presentationml/2006/main">
+  <p:cSld>
+    <p:spTree>
+      <p:nvGrpSpPr>
+        <p:cNvPr id="1" name=""/>
+        <p:cNvGrpSpPr/>
+        <p:nvPr/>
+      </p:nvGrpSpPr>
+      <p:grpSpPr>
+        <a:xfrm>
+          <a:off x="0" y="0"/>
+          <a:ext cx="0" cy="0"/>
+          <a:chOff x="0" y="0"/>
+          <a:chExt cx="0" cy="0"/>
+        </a:xfrm>
+      </p:grpSpPr>
+      <p:sp>
+        <p:nvSpPr>
+          <p:cNvPr id="2" name="Title 1">
+            <a:extLst>
+              <a:ext uri="{FF2B5EF4-FFF2-40B4-BE49-F238E27FC236}">
+                <a16:creationId xmlns:a16="http://schemas.microsoft.com/office/drawing/2014/main" id="{3321FD27-CC98-43B8-94D2-DD98416D4F84}"/>
+              </a:ext>
+            </a:extLst>
+          </p:cNvPr>
+          <p:cNvSpPr>
+            <a:spLocks noGrp="1"/>
+          </p:cNvSpPr>
+          <p:nvPr>
+            <p:ph type="title"/>
+          </p:nvPr>
+        </p:nvSpPr>
+        <p:spPr/>
+        <p:txBody>
+          <a:bodyPr/>
+          <a:lstStyle/>
+          <a:p>
+            <a:r>
+              <a:rPr lang="en-US" dirty="0"/>
+              <a:t>Logic 02</a:t>
+            </a:r>
+            <a:endParaRPr lang="en-ID" dirty="0"/>
+          </a:p>
+        </p:txBody>
+      </p:sp>
+      <p:sp>
+        <p:nvSpPr>
+          <p:cNvPr id="4" name="Slide Number Placeholder 3">
+            <a:extLst>
+              <a:ext uri="{FF2B5EF4-FFF2-40B4-BE49-F238E27FC236}">
+                <a16:creationId xmlns:a16="http://schemas.microsoft.com/office/drawing/2014/main" id="{75E14EAD-4D0B-4C10-8951-0DCAF1C5457F}"/>
+              </a:ext>
+            </a:extLst>
+          </p:cNvPr>
+          <p:cNvSpPr>
+            <a:spLocks noGrp="1"/>
+          </p:cNvSpPr>
+          <p:nvPr>
+            <p:ph type="sldNum" idx="12"/>
+          </p:nvPr>
+        </p:nvSpPr>
+        <p:spPr/>
+        <p:txBody>
+          <a:bodyPr/>
+          <a:lstStyle/>
+          <a:p>
+            <a:pPr marL="0" lvl="0" indent="0" algn="r" rtl="0">
+              <a:spcBef>
+                <a:spcPts val="0"/>
+              </a:spcBef>
+              <a:spcAft>
+                <a:spcPts val="0"/>
+              </a:spcAft>
+              <a:buNone/>
+            </a:pPr>
+            <a:fld id="{00000000-1234-1234-1234-123412341234}" type="slidenum">
+              <a:rPr lang="en" smtClean="0"/>
+              <a:t>14</a:t>
+            </a:fld>
+            <a:endParaRPr lang="en"/>
+          </a:p>
+        </p:txBody>
+      </p:sp>
+      <p:pic>
+        <p:nvPicPr>
+          <p:cNvPr id="5" name="Picture 4">
+            <a:extLst>
+              <a:ext uri="{FF2B5EF4-FFF2-40B4-BE49-F238E27FC236}">
+                <a16:creationId xmlns:a16="http://schemas.microsoft.com/office/drawing/2014/main" id="{1B6BB059-53C8-46EC-A34D-82C4A1DA1774}"/>
+              </a:ext>
+            </a:extLst>
+          </p:cNvPr>
+          <p:cNvPicPr>
+            <a:picLocks noChangeAspect="1"/>
+          </p:cNvPicPr>
+          <p:nvPr/>
+        </p:nvPicPr>
+        <p:blipFill>
+          <a:blip r:embed="rId2"/>
+          <a:stretch>
+            <a:fillRect/>
+          </a:stretch>
+        </p:blipFill>
+        <p:spPr>
+          <a:xfrm>
+            <a:off x="814275" y="1352550"/>
+            <a:ext cx="6043725" cy="3517758"/>
+          </a:xfrm>
+          <a:prstGeom prst="rect">
+            <a:avLst/>
+          </a:prstGeom>
+        </p:spPr>
+      </p:pic>
+    </p:spTree>
+    <p:extLst>
+      <p:ext uri="{BB962C8B-B14F-4D97-AF65-F5344CB8AC3E}">
+        <p14:creationId xmlns:p14="http://schemas.microsoft.com/office/powerpoint/2010/main" val="756391108"/>
+      </p:ext>
+    </p:extLst>
+  </p:cSld>
+  <p:clrMapOvr>
+    <a:masterClrMapping/>
+  </p:clrMapOvr>
+</p:sld>
+</file>
+
+<file path=ppt/slides/slide15.xml><?xml version="1.0" encoding="utf-8"?>
+<p:sld xmlns:a="http://schemas.openxmlformats.org/drawingml/2006/main" xmlns:r="http://schemas.openxmlformats.org/officeDocument/2006/relationships" xmlns:p="http://schemas.openxmlformats.org/presentationml/2006/main">
+  <p:cSld>
+    <p:spTree>
+      <p:nvGrpSpPr>
+        <p:cNvPr id="1" name=""/>
+        <p:cNvGrpSpPr/>
+        <p:nvPr/>
+      </p:nvGrpSpPr>
+      <p:grpSpPr>
+        <a:xfrm>
+          <a:off x="0" y="0"/>
+          <a:ext cx="0" cy="0"/>
+          <a:chOff x="0" y="0"/>
+          <a:chExt cx="0" cy="0"/>
+        </a:xfrm>
+      </p:grpSpPr>
+      <p:sp>
+        <p:nvSpPr>
+          <p:cNvPr id="2" name="Title 1">
+            <a:extLst>
+              <a:ext uri="{FF2B5EF4-FFF2-40B4-BE49-F238E27FC236}">
+                <a16:creationId xmlns:a16="http://schemas.microsoft.com/office/drawing/2014/main" id="{76DFFD84-7972-49F0-82A7-5F26ACF7FAAD}"/>
+              </a:ext>
+            </a:extLst>
+          </p:cNvPr>
+          <p:cNvSpPr>
+            <a:spLocks noGrp="1"/>
+          </p:cNvSpPr>
+          <p:nvPr>
+            <p:ph type="title"/>
+          </p:nvPr>
+        </p:nvSpPr>
+        <p:spPr/>
+        <p:txBody>
+          <a:bodyPr/>
+          <a:lstStyle/>
+          <a:p>
+            <a:r>
+              <a:rPr lang="en-US" dirty="0"/>
+              <a:t>Logic 03</a:t>
+            </a:r>
+            <a:endParaRPr lang="en-ID" dirty="0"/>
+          </a:p>
+        </p:txBody>
+      </p:sp>
+      <p:sp>
+        <p:nvSpPr>
+          <p:cNvPr id="4" name="Slide Number Placeholder 3">
+            <a:extLst>
+              <a:ext uri="{FF2B5EF4-FFF2-40B4-BE49-F238E27FC236}">
+                <a16:creationId xmlns:a16="http://schemas.microsoft.com/office/drawing/2014/main" id="{DE47CF6E-410E-4A07-B4AE-E302E73D88E1}"/>
+              </a:ext>
+            </a:extLst>
+          </p:cNvPr>
+          <p:cNvSpPr>
+            <a:spLocks noGrp="1"/>
+          </p:cNvSpPr>
+          <p:nvPr>
+            <p:ph type="sldNum" idx="12"/>
+          </p:nvPr>
+        </p:nvSpPr>
+        <p:spPr/>
+        <p:txBody>
+          <a:bodyPr/>
+          <a:lstStyle/>
+          <a:p>
+            <a:pPr marL="0" lvl="0" indent="0" algn="r" rtl="0">
+              <a:spcBef>
+                <a:spcPts val="0"/>
+              </a:spcBef>
+              <a:spcAft>
+                <a:spcPts val="0"/>
+              </a:spcAft>
+              <a:buNone/>
+            </a:pPr>
+            <a:fld id="{00000000-1234-1234-1234-123412341234}" type="slidenum">
+              <a:rPr lang="en" smtClean="0"/>
+              <a:t>15</a:t>
+            </a:fld>
+            <a:endParaRPr lang="en"/>
+          </a:p>
+        </p:txBody>
+      </p:sp>
+      <p:pic>
+        <p:nvPicPr>
+          <p:cNvPr id="5" name="Picture 4">
+            <a:extLst>
+              <a:ext uri="{FF2B5EF4-FFF2-40B4-BE49-F238E27FC236}">
+                <a16:creationId xmlns:a16="http://schemas.microsoft.com/office/drawing/2014/main" id="{9381A107-75F6-4413-A0A3-EB8B8888A025}"/>
+              </a:ext>
+            </a:extLst>
+          </p:cNvPr>
+          <p:cNvPicPr>
+            <a:picLocks noChangeAspect="1"/>
+          </p:cNvPicPr>
+          <p:nvPr/>
+        </p:nvPicPr>
+        <p:blipFill>
+          <a:blip r:embed="rId2"/>
+          <a:stretch>
+            <a:fillRect/>
+          </a:stretch>
+        </p:blipFill>
+        <p:spPr>
+          <a:xfrm>
+            <a:off x="914400" y="1352550"/>
+            <a:ext cx="3352800" cy="3218444"/>
+          </a:xfrm>
+          <a:prstGeom prst="rect">
+            <a:avLst/>
+          </a:prstGeom>
+        </p:spPr>
+      </p:pic>
+      <p:pic>
+        <p:nvPicPr>
+          <p:cNvPr id="6" name="Picture 5">
+            <a:extLst>
+              <a:ext uri="{FF2B5EF4-FFF2-40B4-BE49-F238E27FC236}">
+                <a16:creationId xmlns:a16="http://schemas.microsoft.com/office/drawing/2014/main" id="{CAC1CC30-3DAC-4113-857C-DCC4949C1F8E}"/>
+              </a:ext>
+            </a:extLst>
+          </p:cNvPr>
+          <p:cNvPicPr>
+            <a:picLocks noChangeAspect="1"/>
+          </p:cNvPicPr>
+          <p:nvPr/>
+        </p:nvPicPr>
+        <p:blipFill>
+          <a:blip r:embed="rId3"/>
+          <a:stretch>
+            <a:fillRect/>
+          </a:stretch>
+        </p:blipFill>
+        <p:spPr>
+          <a:xfrm>
+            <a:off x="4495800" y="1352550"/>
+            <a:ext cx="3962400" cy="2139173"/>
+          </a:xfrm>
+          <a:prstGeom prst="rect">
+            <a:avLst/>
+          </a:prstGeom>
+        </p:spPr>
+      </p:pic>
+    </p:spTree>
+    <p:extLst>
+      <p:ext uri="{BB962C8B-B14F-4D97-AF65-F5344CB8AC3E}">
+        <p14:creationId xmlns:p14="http://schemas.microsoft.com/office/powerpoint/2010/main" val="3528370982"/>
+      </p:ext>
+    </p:extLst>
+  </p:cSld>
+  <p:clrMapOvr>
+    <a:masterClrMapping/>
+  </p:clrMapOvr>
+</p:sld>
+</file>
+
+<file path=ppt/slides/slide16.xml><?xml version="1.0" encoding="utf-8"?>
+<p:sld xmlns:a="http://schemas.openxmlformats.org/drawingml/2006/main" xmlns:r="http://schemas.openxmlformats.org/officeDocument/2006/relationships" xmlns:p="http://schemas.openxmlformats.org/presentationml/2006/main">
+  <p:cSld>
+    <p:spTree>
+      <p:nvGrpSpPr>
+        <p:cNvPr id="1" name=""/>
+        <p:cNvGrpSpPr/>
+        <p:nvPr/>
+      </p:nvGrpSpPr>
+      <p:grpSpPr>
+        <a:xfrm>
+          <a:off x="0" y="0"/>
+          <a:ext cx="0" cy="0"/>
+          <a:chOff x="0" y="0"/>
+          <a:chExt cx="0" cy="0"/>
+        </a:xfrm>
+      </p:grpSpPr>
+      <p:sp>
+        <p:nvSpPr>
+          <p:cNvPr id="2" name="Title 1">
+            <a:extLst>
+              <a:ext uri="{FF2B5EF4-FFF2-40B4-BE49-F238E27FC236}">
+                <a16:creationId xmlns:a16="http://schemas.microsoft.com/office/drawing/2014/main" id="{B5531EF7-4505-4DF7-8C8E-F0811708697A}"/>
+              </a:ext>
+            </a:extLst>
+          </p:cNvPr>
+          <p:cNvSpPr>
+            <a:spLocks noGrp="1"/>
+          </p:cNvSpPr>
+          <p:nvPr>
+            <p:ph type="title"/>
+          </p:nvPr>
+        </p:nvSpPr>
+        <p:spPr/>
+        <p:txBody>
+          <a:bodyPr/>
+          <a:lstStyle/>
+          <a:p>
+            <a:r>
+              <a:rPr lang="en-US" dirty="0"/>
+              <a:t>Hacker Rank</a:t>
+            </a:r>
+            <a:endParaRPr lang="en-ID" dirty="0"/>
+          </a:p>
+        </p:txBody>
+      </p:sp>
+      <p:sp>
+        <p:nvSpPr>
+          <p:cNvPr id="4" name="Slide Number Placeholder 3">
+            <a:extLst>
+              <a:ext uri="{FF2B5EF4-FFF2-40B4-BE49-F238E27FC236}">
+                <a16:creationId xmlns:a16="http://schemas.microsoft.com/office/drawing/2014/main" id="{B7E5BB7F-1332-4CAA-B47D-98F77CFEE305}"/>
+              </a:ext>
+            </a:extLst>
+          </p:cNvPr>
+          <p:cNvSpPr>
+            <a:spLocks noGrp="1"/>
+          </p:cNvSpPr>
+          <p:nvPr>
+            <p:ph type="sldNum" idx="12"/>
+          </p:nvPr>
+        </p:nvSpPr>
+        <p:spPr/>
+        <p:txBody>
+          <a:bodyPr/>
+          <a:lstStyle/>
+          <a:p>
+            <a:pPr marL="0" lvl="0" indent="0" algn="r" rtl="0">
+              <a:spcBef>
+                <a:spcPts val="0"/>
+              </a:spcBef>
+              <a:spcAft>
+                <a:spcPts val="0"/>
+              </a:spcAft>
+              <a:buNone/>
+            </a:pPr>
+            <a:fld id="{00000000-1234-1234-1234-123412341234}" type="slidenum">
+              <a:rPr lang="en" smtClean="0"/>
+              <a:t>16</a:t>
+            </a:fld>
+            <a:endParaRPr lang="en"/>
+          </a:p>
+        </p:txBody>
+      </p:sp>
+      <p:pic>
+        <p:nvPicPr>
+          <p:cNvPr id="5" name="Picture 4">
+            <a:extLst>
+              <a:ext uri="{FF2B5EF4-FFF2-40B4-BE49-F238E27FC236}">
+                <a16:creationId xmlns:a16="http://schemas.microsoft.com/office/drawing/2014/main" id="{B9F7596E-6B3C-4309-B29A-16609D2FEC60}"/>
+              </a:ext>
+            </a:extLst>
+          </p:cNvPr>
+          <p:cNvPicPr>
+            <a:picLocks noChangeAspect="1"/>
+          </p:cNvPicPr>
+          <p:nvPr/>
+        </p:nvPicPr>
+        <p:blipFill>
+          <a:blip r:embed="rId2"/>
+          <a:stretch>
+            <a:fillRect/>
+          </a:stretch>
+        </p:blipFill>
+        <p:spPr>
+          <a:xfrm>
+            <a:off x="805808" y="1373610"/>
+            <a:ext cx="4883759" cy="3578490"/>
+          </a:xfrm>
+          <a:prstGeom prst="rect">
+            <a:avLst/>
+          </a:prstGeom>
+        </p:spPr>
+      </p:pic>
+    </p:spTree>
+    <p:extLst>
+      <p:ext uri="{BB962C8B-B14F-4D97-AF65-F5344CB8AC3E}">
+        <p14:creationId xmlns:p14="http://schemas.microsoft.com/office/powerpoint/2010/main" val="581935658"/>
+      </p:ext>
+    </p:extLst>
+  </p:cSld>
+  <p:clrMapOvr>
+    <a:masterClrMapping/>
+  </p:clrMapOvr>
+</p:sld>
+</file>
+
+<file path=ppt/slides/slide17.xml><?xml version="1.0" encoding="utf-8"?>
+<p:sld xmlns:a="http://schemas.openxmlformats.org/drawingml/2006/main" xmlns:r="http://schemas.openxmlformats.org/officeDocument/2006/relationships" xmlns:p="http://schemas.openxmlformats.org/presentationml/2006/main">
+  <p:cSld>
+    <p:spTree>
+      <p:nvGrpSpPr>
+        <p:cNvPr id="1" name=""/>
+        <p:cNvGrpSpPr/>
+        <p:nvPr/>
+      </p:nvGrpSpPr>
+      <p:grpSpPr>
+        <a:xfrm>
+          <a:off x="0" y="0"/>
+          <a:ext cx="0" cy="0"/>
+          <a:chOff x="0" y="0"/>
+          <a:chExt cx="0" cy="0"/>
+        </a:xfrm>
+      </p:grpSpPr>
+      <p:sp>
+        <p:nvSpPr>
+          <p:cNvPr id="2" name="Title 1">
+            <a:extLst>
+              <a:ext uri="{FF2B5EF4-FFF2-40B4-BE49-F238E27FC236}">
+                <a16:creationId xmlns:a16="http://schemas.microsoft.com/office/drawing/2014/main" id="{8D0EBDCA-ECBE-4819-9250-3FE0EB034C63}"/>
+              </a:ext>
+            </a:extLst>
+          </p:cNvPr>
+          <p:cNvSpPr>
+            <a:spLocks noGrp="1"/>
+          </p:cNvSpPr>
+          <p:nvPr>
+            <p:ph type="title"/>
+          </p:nvPr>
+        </p:nvSpPr>
+        <p:spPr/>
+        <p:txBody>
+          <a:bodyPr/>
+          <a:lstStyle/>
+          <a:p>
+            <a:r>
+              <a:rPr lang="en-US" dirty="0"/>
+              <a:t>Hacker Rank Category</a:t>
+            </a:r>
+            <a:endParaRPr lang="en-ID" dirty="0"/>
+          </a:p>
+        </p:txBody>
+      </p:sp>
+      <p:pic>
+        <p:nvPicPr>
+          <p:cNvPr id="5" name="Picture 4">
+            <a:extLst>
+              <a:ext uri="{FF2B5EF4-FFF2-40B4-BE49-F238E27FC236}">
+                <a16:creationId xmlns:a16="http://schemas.microsoft.com/office/drawing/2014/main" id="{7647D8CB-D12E-4C89-9B8C-7CBDD1B4B38D}"/>
+              </a:ext>
+            </a:extLst>
+          </p:cNvPr>
+          <p:cNvPicPr>
+            <a:picLocks noChangeAspect="1"/>
+          </p:cNvPicPr>
+          <p:nvPr/>
+        </p:nvPicPr>
+        <p:blipFill>
+          <a:blip r:embed="rId2"/>
+          <a:stretch>
+            <a:fillRect/>
+          </a:stretch>
+        </p:blipFill>
+        <p:spPr>
+          <a:xfrm>
+            <a:off x="814275" y="1335618"/>
+            <a:ext cx="5256918" cy="3674532"/>
+          </a:xfrm>
+          <a:prstGeom prst="rect">
+            <a:avLst/>
+          </a:prstGeom>
+        </p:spPr>
+      </p:pic>
+      <p:sp>
+        <p:nvSpPr>
+          <p:cNvPr id="4" name="Slide Number Placeholder 3">
+            <a:extLst>
+              <a:ext uri="{FF2B5EF4-FFF2-40B4-BE49-F238E27FC236}">
+                <a16:creationId xmlns:a16="http://schemas.microsoft.com/office/drawing/2014/main" id="{F42616EE-3746-4B12-9F47-DA95C6C0D900}"/>
+              </a:ext>
+            </a:extLst>
+          </p:cNvPr>
+          <p:cNvSpPr>
+            <a:spLocks noGrp="1"/>
+          </p:cNvSpPr>
+          <p:nvPr>
+            <p:ph type="sldNum" idx="12"/>
+          </p:nvPr>
+        </p:nvSpPr>
+        <p:spPr/>
+        <p:txBody>
+          <a:bodyPr/>
+          <a:lstStyle/>
+          <a:p>
+            <a:pPr marL="0" lvl="0" indent="0" algn="r" rtl="0">
+              <a:spcBef>
+                <a:spcPts val="0"/>
+              </a:spcBef>
+              <a:spcAft>
+                <a:spcPts val="0"/>
+              </a:spcAft>
+              <a:buNone/>
+            </a:pPr>
+            <a:fld id="{00000000-1234-1234-1234-123412341234}" type="slidenum">
+              <a:rPr lang="en" smtClean="0"/>
+              <a:t>17</a:t>
+            </a:fld>
+            <a:endParaRPr lang="en"/>
+          </a:p>
+        </p:txBody>
+      </p:sp>
+    </p:spTree>
+    <p:extLst>
+      <p:ext uri="{BB962C8B-B14F-4D97-AF65-F5344CB8AC3E}">
+        <p14:creationId xmlns:p14="http://schemas.microsoft.com/office/powerpoint/2010/main" val="2908546246"/>
+      </p:ext>
+    </p:extLst>
+  </p:cSld>
+  <p:clrMapOvr>
+    <a:masterClrMapping/>
+  </p:clrMapOvr>
+</p:sld>
+</file>
+
+<file path=ppt/slides/slide18.xml><?xml version="1.0" encoding="utf-8"?>
+<p:sld xmlns:a="http://schemas.openxmlformats.org/drawingml/2006/main" xmlns:r="http://schemas.openxmlformats.org/officeDocument/2006/relationships" xmlns:p="http://schemas.openxmlformats.org/presentationml/2006/main">
+  <p:cSld>
+    <p:spTree>
+      <p:nvGrpSpPr>
+        <p:cNvPr id="1" name=""/>
+        <p:cNvGrpSpPr/>
+        <p:nvPr/>
+      </p:nvGrpSpPr>
+      <p:grpSpPr>
+        <a:xfrm>
+          <a:off x="0" y="0"/>
+          <a:ext cx="0" cy="0"/>
+          <a:chOff x="0" y="0"/>
+          <a:chExt cx="0" cy="0"/>
+        </a:xfrm>
+      </p:grpSpPr>
+      <p:sp>
+        <p:nvSpPr>
+          <p:cNvPr id="2" name="Title 1">
+            <a:extLst>
+              <a:ext uri="{FF2B5EF4-FFF2-40B4-BE49-F238E27FC236}">
+                <a16:creationId xmlns:a16="http://schemas.microsoft.com/office/drawing/2014/main" id="{92E705DA-C3FB-4CFB-983A-0294063DB7C2}"/>
+              </a:ext>
+            </a:extLst>
+          </p:cNvPr>
+          <p:cNvSpPr>
+            <a:spLocks noGrp="1"/>
+          </p:cNvSpPr>
+          <p:nvPr>
+            <p:ph type="title"/>
+          </p:nvPr>
+        </p:nvSpPr>
+        <p:spPr/>
+        <p:txBody>
+          <a:bodyPr/>
+          <a:lstStyle/>
+          <a:p>
+            <a:r>
+              <a:rPr lang="en-US" dirty="0"/>
+              <a:t>Easy - Warmup</a:t>
+            </a:r>
+            <a:endParaRPr lang="en-ID" dirty="0"/>
+          </a:p>
+        </p:txBody>
+      </p:sp>
+      <p:sp>
+        <p:nvSpPr>
+          <p:cNvPr id="4" name="Slide Number Placeholder 3">
+            <a:extLst>
+              <a:ext uri="{FF2B5EF4-FFF2-40B4-BE49-F238E27FC236}">
+                <a16:creationId xmlns:a16="http://schemas.microsoft.com/office/drawing/2014/main" id="{D271206D-5C30-4E0E-BF18-475E6D72021A}"/>
+              </a:ext>
+            </a:extLst>
+          </p:cNvPr>
+          <p:cNvSpPr>
+            <a:spLocks noGrp="1"/>
+          </p:cNvSpPr>
+          <p:nvPr>
+            <p:ph type="sldNum" idx="12"/>
+          </p:nvPr>
+        </p:nvSpPr>
+        <p:spPr/>
+        <p:txBody>
+          <a:bodyPr/>
+          <a:lstStyle/>
+          <a:p>
+            <a:pPr marL="0" lvl="0" indent="0" algn="r" rtl="0">
+              <a:spcBef>
+                <a:spcPts val="0"/>
+              </a:spcBef>
+              <a:spcAft>
+                <a:spcPts val="0"/>
+              </a:spcAft>
+              <a:buNone/>
+            </a:pPr>
+            <a:fld id="{00000000-1234-1234-1234-123412341234}" type="slidenum">
+              <a:rPr lang="en" smtClean="0"/>
+              <a:t>18</a:t>
+            </a:fld>
+            <a:endParaRPr lang="en"/>
+          </a:p>
+        </p:txBody>
+      </p:sp>
+      <p:pic>
+        <p:nvPicPr>
+          <p:cNvPr id="5" name="Picture 4">
+            <a:extLst>
+              <a:ext uri="{FF2B5EF4-FFF2-40B4-BE49-F238E27FC236}">
+                <a16:creationId xmlns:a16="http://schemas.microsoft.com/office/drawing/2014/main" id="{1FCD1E67-F5FE-49BD-AFCB-3E33CF45873E}"/>
+              </a:ext>
+            </a:extLst>
+          </p:cNvPr>
+          <p:cNvPicPr>
+            <a:picLocks noChangeAspect="1"/>
+          </p:cNvPicPr>
+          <p:nvPr/>
+        </p:nvPicPr>
+        <p:blipFill>
+          <a:blip r:embed="rId2"/>
+          <a:stretch>
+            <a:fillRect/>
+          </a:stretch>
+        </p:blipFill>
+        <p:spPr>
+          <a:xfrm>
+            <a:off x="814275" y="1339648"/>
+            <a:ext cx="5205525" cy="3747978"/>
+          </a:xfrm>
+          <a:prstGeom prst="rect">
+            <a:avLst/>
+          </a:prstGeom>
+        </p:spPr>
+      </p:pic>
+    </p:spTree>
+    <p:extLst>
+      <p:ext uri="{BB962C8B-B14F-4D97-AF65-F5344CB8AC3E}">
+        <p14:creationId xmlns:p14="http://schemas.microsoft.com/office/powerpoint/2010/main" val="1581615707"/>
+      </p:ext>
+    </p:extLst>
+  </p:cSld>
+  <p:clrMapOvr>
+    <a:masterClrMapping/>
+  </p:clrMapOvr>
+</p:sld>
+</file>
+
+<file path=ppt/slides/slide19.xml><?xml version="1.0" encoding="utf-8"?>
+<p:sld xmlns:a="http://schemas.openxmlformats.org/drawingml/2006/main" xmlns:r="http://schemas.openxmlformats.org/officeDocument/2006/relationships" xmlns:p="http://schemas.openxmlformats.org/presentationml/2006/main">
+  <p:cSld>
+    <p:spTree>
+      <p:nvGrpSpPr>
+        <p:cNvPr id="1" name=""/>
+        <p:cNvGrpSpPr/>
+        <p:nvPr/>
+      </p:nvGrpSpPr>
+      <p:grpSpPr>
+        <a:xfrm>
+          <a:off x="0" y="0"/>
+          <a:ext cx="0" cy="0"/>
+          <a:chOff x="0" y="0"/>
+          <a:chExt cx="0" cy="0"/>
+        </a:xfrm>
+      </p:grpSpPr>
+      <p:sp>
+        <p:nvSpPr>
+          <p:cNvPr id="2" name="Title 1">
+            <a:extLst>
+              <a:ext uri="{FF2B5EF4-FFF2-40B4-BE49-F238E27FC236}">
+                <a16:creationId xmlns:a16="http://schemas.microsoft.com/office/drawing/2014/main" id="{0679A487-F381-429B-AE01-D6803B2740E1}"/>
+              </a:ext>
+            </a:extLst>
+          </p:cNvPr>
+          <p:cNvSpPr>
+            <a:spLocks noGrp="1"/>
+          </p:cNvSpPr>
+          <p:nvPr>
+            <p:ph type="title"/>
+          </p:nvPr>
+        </p:nvSpPr>
+        <p:spPr/>
+        <p:txBody>
+          <a:bodyPr/>
+          <a:lstStyle/>
+          <a:p>
+            <a:r>
+              <a:rPr lang="en-US" dirty="0"/>
+              <a:t>Easy - String</a:t>
+            </a:r>
+            <a:endParaRPr lang="en-ID" dirty="0"/>
+          </a:p>
+        </p:txBody>
+      </p:sp>
+      <p:sp>
+        <p:nvSpPr>
+          <p:cNvPr id="4" name="Slide Number Placeholder 3">
+            <a:extLst>
+              <a:ext uri="{FF2B5EF4-FFF2-40B4-BE49-F238E27FC236}">
+                <a16:creationId xmlns:a16="http://schemas.microsoft.com/office/drawing/2014/main" id="{E86E1EC2-332A-4543-86EB-0918319F162C}"/>
+              </a:ext>
+            </a:extLst>
+          </p:cNvPr>
+          <p:cNvSpPr>
+            <a:spLocks noGrp="1"/>
+          </p:cNvSpPr>
+          <p:nvPr>
+            <p:ph type="sldNum" idx="12"/>
+          </p:nvPr>
+        </p:nvSpPr>
+        <p:spPr/>
+        <p:txBody>
+          <a:bodyPr/>
+          <a:lstStyle/>
+          <a:p>
+            <a:pPr marL="0" lvl="0" indent="0" algn="r" rtl="0">
+              <a:spcBef>
+                <a:spcPts val="0"/>
+              </a:spcBef>
+              <a:spcAft>
+                <a:spcPts val="0"/>
+              </a:spcAft>
+              <a:buNone/>
+            </a:pPr>
+            <a:fld id="{00000000-1234-1234-1234-123412341234}" type="slidenum">
+              <a:rPr lang="en" smtClean="0"/>
+              <a:t>19</a:t>
+            </a:fld>
+            <a:endParaRPr lang="en"/>
+          </a:p>
+        </p:txBody>
+      </p:sp>
+      <p:pic>
+        <p:nvPicPr>
+          <p:cNvPr id="5" name="Picture 4">
+            <a:extLst>
+              <a:ext uri="{FF2B5EF4-FFF2-40B4-BE49-F238E27FC236}">
+                <a16:creationId xmlns:a16="http://schemas.microsoft.com/office/drawing/2014/main" id="{52E10F1B-9F50-4219-A7B3-E39353781662}"/>
+              </a:ext>
+            </a:extLst>
+          </p:cNvPr>
+          <p:cNvPicPr>
+            <a:picLocks noChangeAspect="1"/>
+          </p:cNvPicPr>
+          <p:nvPr/>
+        </p:nvPicPr>
+        <p:blipFill>
+          <a:blip r:embed="rId2"/>
+          <a:stretch>
+            <a:fillRect/>
+          </a:stretch>
+        </p:blipFill>
+        <p:spPr>
+          <a:xfrm>
+            <a:off x="814274" y="1327350"/>
+            <a:ext cx="4856461" cy="3624750"/>
+          </a:xfrm>
+          <a:prstGeom prst="rect">
+            <a:avLst/>
+          </a:prstGeom>
+        </p:spPr>
+      </p:pic>
+    </p:spTree>
+    <p:extLst>
+      <p:ext uri="{BB962C8B-B14F-4D97-AF65-F5344CB8AC3E}">
+        <p14:creationId xmlns:p14="http://schemas.microsoft.com/office/powerpoint/2010/main" val="2240304961"/>
       </p:ext>
     </p:extLst>
   </p:cSld>
@@ -6516,6 +7319,387 @@
     <p:extLst>
       <p:ext uri="{BB962C8B-B14F-4D97-AF65-F5344CB8AC3E}">
         <p14:creationId xmlns:p14="http://schemas.microsoft.com/office/powerpoint/2010/main" val="135306888"/>
+      </p:ext>
+    </p:extLst>
+  </p:cSld>
+  <p:clrMapOvr>
+    <a:masterClrMapping/>
+  </p:clrMapOvr>
+</p:sld>
+</file>
+
+<file path=ppt/slides/slide20.xml><?xml version="1.0" encoding="utf-8"?>
+<p:sld xmlns:a="http://schemas.openxmlformats.org/drawingml/2006/main" xmlns:r="http://schemas.openxmlformats.org/officeDocument/2006/relationships" xmlns:p="http://schemas.openxmlformats.org/presentationml/2006/main">
+  <p:cSld>
+    <p:spTree>
+      <p:nvGrpSpPr>
+        <p:cNvPr id="1" name=""/>
+        <p:cNvGrpSpPr/>
+        <p:nvPr/>
+      </p:nvGrpSpPr>
+      <p:grpSpPr>
+        <a:xfrm>
+          <a:off x="0" y="0"/>
+          <a:ext cx="0" cy="0"/>
+          <a:chOff x="0" y="0"/>
+          <a:chExt cx="0" cy="0"/>
+        </a:xfrm>
+      </p:grpSpPr>
+      <p:sp>
+        <p:nvSpPr>
+          <p:cNvPr id="2" name="Title 1">
+            <a:extLst>
+              <a:ext uri="{FF2B5EF4-FFF2-40B4-BE49-F238E27FC236}">
+                <a16:creationId xmlns:a16="http://schemas.microsoft.com/office/drawing/2014/main" id="{903408A4-9733-4F7B-806E-30F4A0024911}"/>
+              </a:ext>
+            </a:extLst>
+          </p:cNvPr>
+          <p:cNvSpPr>
+            <a:spLocks noGrp="1"/>
+          </p:cNvSpPr>
+          <p:nvPr>
+            <p:ph type="title"/>
+          </p:nvPr>
+        </p:nvSpPr>
+        <p:spPr/>
+        <p:txBody>
+          <a:bodyPr/>
+          <a:lstStyle/>
+          <a:p>
+            <a:r>
+              <a:rPr lang="en-US" dirty="0"/>
+              <a:t>Easy - Sorting</a:t>
+            </a:r>
+            <a:endParaRPr lang="en-ID" dirty="0"/>
+          </a:p>
+        </p:txBody>
+      </p:sp>
+      <p:sp>
+        <p:nvSpPr>
+          <p:cNvPr id="4" name="Slide Number Placeholder 3">
+            <a:extLst>
+              <a:ext uri="{FF2B5EF4-FFF2-40B4-BE49-F238E27FC236}">
+                <a16:creationId xmlns:a16="http://schemas.microsoft.com/office/drawing/2014/main" id="{88E5E748-882E-4324-8533-B0F78C32A682}"/>
+              </a:ext>
+            </a:extLst>
+          </p:cNvPr>
+          <p:cNvSpPr>
+            <a:spLocks noGrp="1"/>
+          </p:cNvSpPr>
+          <p:nvPr>
+            <p:ph type="sldNum" idx="12"/>
+          </p:nvPr>
+        </p:nvSpPr>
+        <p:spPr/>
+        <p:txBody>
+          <a:bodyPr/>
+          <a:lstStyle/>
+          <a:p>
+            <a:pPr marL="0" lvl="0" indent="0" algn="r" rtl="0">
+              <a:spcBef>
+                <a:spcPts val="0"/>
+              </a:spcBef>
+              <a:spcAft>
+                <a:spcPts val="0"/>
+              </a:spcAft>
+              <a:buNone/>
+            </a:pPr>
+            <a:fld id="{00000000-1234-1234-1234-123412341234}" type="slidenum">
+              <a:rPr lang="en" smtClean="0"/>
+              <a:t>20</a:t>
+            </a:fld>
+            <a:endParaRPr lang="en"/>
+          </a:p>
+        </p:txBody>
+      </p:sp>
+      <p:pic>
+        <p:nvPicPr>
+          <p:cNvPr id="5" name="Picture 4">
+            <a:extLst>
+              <a:ext uri="{FF2B5EF4-FFF2-40B4-BE49-F238E27FC236}">
+                <a16:creationId xmlns:a16="http://schemas.microsoft.com/office/drawing/2014/main" id="{28A80230-58B8-49D5-B88B-EF1B9BAC550F}"/>
+              </a:ext>
+            </a:extLst>
+          </p:cNvPr>
+          <p:cNvPicPr>
+            <a:picLocks noChangeAspect="1"/>
+          </p:cNvPicPr>
+          <p:nvPr/>
+        </p:nvPicPr>
+        <p:blipFill>
+          <a:blip r:embed="rId2"/>
+          <a:stretch>
+            <a:fillRect/>
+          </a:stretch>
+        </p:blipFill>
+        <p:spPr>
+          <a:xfrm>
+            <a:off x="814275" y="1336957"/>
+            <a:ext cx="5334000" cy="3615143"/>
+          </a:xfrm>
+          <a:prstGeom prst="rect">
+            <a:avLst/>
+          </a:prstGeom>
+        </p:spPr>
+      </p:pic>
+    </p:spTree>
+    <p:extLst>
+      <p:ext uri="{BB962C8B-B14F-4D97-AF65-F5344CB8AC3E}">
+        <p14:creationId xmlns:p14="http://schemas.microsoft.com/office/powerpoint/2010/main" val="1981182122"/>
+      </p:ext>
+    </p:extLst>
+  </p:cSld>
+  <p:clrMapOvr>
+    <a:masterClrMapping/>
+  </p:clrMapOvr>
+</p:sld>
+</file>
+
+<file path=ppt/slides/slide21.xml><?xml version="1.0" encoding="utf-8"?>
+<p:sld xmlns:a="http://schemas.openxmlformats.org/drawingml/2006/main" xmlns:r="http://schemas.openxmlformats.org/officeDocument/2006/relationships" xmlns:p="http://schemas.openxmlformats.org/presentationml/2006/main">
+  <p:cSld>
+    <p:spTree>
+      <p:nvGrpSpPr>
+        <p:cNvPr id="1" name=""/>
+        <p:cNvGrpSpPr/>
+        <p:nvPr/>
+      </p:nvGrpSpPr>
+      <p:grpSpPr>
+        <a:xfrm>
+          <a:off x="0" y="0"/>
+          <a:ext cx="0" cy="0"/>
+          <a:chOff x="0" y="0"/>
+          <a:chExt cx="0" cy="0"/>
+        </a:xfrm>
+      </p:grpSpPr>
+      <p:sp>
+        <p:nvSpPr>
+          <p:cNvPr id="2" name="Title 1">
+            <a:extLst>
+              <a:ext uri="{FF2B5EF4-FFF2-40B4-BE49-F238E27FC236}">
+                <a16:creationId xmlns:a16="http://schemas.microsoft.com/office/drawing/2014/main" id="{51B3350E-FE0C-4F4E-BBC5-19428960C98D}"/>
+              </a:ext>
+            </a:extLst>
+          </p:cNvPr>
+          <p:cNvSpPr>
+            <a:spLocks noGrp="1"/>
+          </p:cNvSpPr>
+          <p:nvPr>
+            <p:ph type="title"/>
+          </p:nvPr>
+        </p:nvSpPr>
+        <p:spPr/>
+        <p:txBody>
+          <a:bodyPr/>
+          <a:lstStyle/>
+          <a:p>
+            <a:r>
+              <a:rPr lang="en-US" dirty="0"/>
+              <a:t>Easy – Medium – Search </a:t>
+            </a:r>
+            <a:endParaRPr lang="en-ID" dirty="0"/>
+          </a:p>
+        </p:txBody>
+      </p:sp>
+      <p:sp>
+        <p:nvSpPr>
+          <p:cNvPr id="4" name="Slide Number Placeholder 3">
+            <a:extLst>
+              <a:ext uri="{FF2B5EF4-FFF2-40B4-BE49-F238E27FC236}">
+                <a16:creationId xmlns:a16="http://schemas.microsoft.com/office/drawing/2014/main" id="{596DF2EA-CF91-4D31-804A-9E88758EFEBB}"/>
+              </a:ext>
+            </a:extLst>
+          </p:cNvPr>
+          <p:cNvSpPr>
+            <a:spLocks noGrp="1"/>
+          </p:cNvSpPr>
+          <p:nvPr>
+            <p:ph type="sldNum" idx="12"/>
+          </p:nvPr>
+        </p:nvSpPr>
+        <p:spPr/>
+        <p:txBody>
+          <a:bodyPr/>
+          <a:lstStyle/>
+          <a:p>
+            <a:pPr marL="0" lvl="0" indent="0" algn="r" rtl="0">
+              <a:spcBef>
+                <a:spcPts val="0"/>
+              </a:spcBef>
+              <a:spcAft>
+                <a:spcPts val="0"/>
+              </a:spcAft>
+              <a:buNone/>
+            </a:pPr>
+            <a:fld id="{00000000-1234-1234-1234-123412341234}" type="slidenum">
+              <a:rPr lang="en" smtClean="0"/>
+              <a:t>21</a:t>
+            </a:fld>
+            <a:endParaRPr lang="en"/>
+          </a:p>
+        </p:txBody>
+      </p:sp>
+      <p:pic>
+        <p:nvPicPr>
+          <p:cNvPr id="5" name="Picture 4">
+            <a:extLst>
+              <a:ext uri="{FF2B5EF4-FFF2-40B4-BE49-F238E27FC236}">
+                <a16:creationId xmlns:a16="http://schemas.microsoft.com/office/drawing/2014/main" id="{A9F91105-7DDD-4AD3-BC2A-054DCA0ADC70}"/>
+              </a:ext>
+            </a:extLst>
+          </p:cNvPr>
+          <p:cNvPicPr>
+            <a:picLocks noChangeAspect="1"/>
+          </p:cNvPicPr>
+          <p:nvPr/>
+        </p:nvPicPr>
+        <p:blipFill>
+          <a:blip r:embed="rId2"/>
+          <a:stretch>
+            <a:fillRect/>
+          </a:stretch>
+        </p:blipFill>
+        <p:spPr>
+          <a:xfrm>
+            <a:off x="814275" y="1327350"/>
+            <a:ext cx="5053126" cy="3688616"/>
+          </a:xfrm>
+          <a:prstGeom prst="rect">
+            <a:avLst/>
+          </a:prstGeom>
+        </p:spPr>
+      </p:pic>
+    </p:spTree>
+    <p:extLst>
+      <p:ext uri="{BB962C8B-B14F-4D97-AF65-F5344CB8AC3E}">
+        <p14:creationId xmlns:p14="http://schemas.microsoft.com/office/powerpoint/2010/main" val="40719220"/>
+      </p:ext>
+    </p:extLst>
+  </p:cSld>
+  <p:clrMapOvr>
+    <a:masterClrMapping/>
+  </p:clrMapOvr>
+</p:sld>
+</file>
+
+<file path=ppt/slides/slide22.xml><?xml version="1.0" encoding="utf-8"?>
+<p:sld xmlns:a="http://schemas.openxmlformats.org/drawingml/2006/main" xmlns:r="http://schemas.openxmlformats.org/officeDocument/2006/relationships" xmlns:p="http://schemas.openxmlformats.org/presentationml/2006/main">
+  <p:cSld>
+    <p:spTree>
+      <p:nvGrpSpPr>
+        <p:cNvPr id="1" name=""/>
+        <p:cNvGrpSpPr/>
+        <p:nvPr/>
+      </p:nvGrpSpPr>
+      <p:grpSpPr>
+        <a:xfrm>
+          <a:off x="0" y="0"/>
+          <a:ext cx="0" cy="0"/>
+          <a:chOff x="0" y="0"/>
+          <a:chExt cx="0" cy="0"/>
+        </a:xfrm>
+      </p:grpSpPr>
+      <p:sp>
+        <p:nvSpPr>
+          <p:cNvPr id="2" name="Title 1">
+            <a:extLst>
+              <a:ext uri="{FF2B5EF4-FFF2-40B4-BE49-F238E27FC236}">
+                <a16:creationId xmlns:a16="http://schemas.microsoft.com/office/drawing/2014/main" id="{02E143EE-6E0D-4D0C-B503-C66DF9AA9EB3}"/>
+              </a:ext>
+            </a:extLst>
+          </p:cNvPr>
+          <p:cNvSpPr>
+            <a:spLocks noGrp="1"/>
+          </p:cNvSpPr>
+          <p:nvPr>
+            <p:ph type="title"/>
+          </p:nvPr>
+        </p:nvSpPr>
+        <p:spPr/>
+        <p:txBody>
+          <a:bodyPr/>
+          <a:lstStyle/>
+          <a:p>
+            <a:r>
+              <a:rPr lang="en-US" dirty="0"/>
+              <a:t>Easy – Medium – Recursion </a:t>
+            </a:r>
+            <a:endParaRPr lang="en-ID" dirty="0"/>
+          </a:p>
+        </p:txBody>
+      </p:sp>
+      <p:sp>
+        <p:nvSpPr>
+          <p:cNvPr id="4" name="Slide Number Placeholder 3">
+            <a:extLst>
+              <a:ext uri="{FF2B5EF4-FFF2-40B4-BE49-F238E27FC236}">
+                <a16:creationId xmlns:a16="http://schemas.microsoft.com/office/drawing/2014/main" id="{448291DE-0E51-41AC-835A-8D09D0CA8397}"/>
+              </a:ext>
+            </a:extLst>
+          </p:cNvPr>
+          <p:cNvSpPr>
+            <a:spLocks noGrp="1"/>
+          </p:cNvSpPr>
+          <p:nvPr>
+            <p:ph type="sldNum" idx="12"/>
+          </p:nvPr>
+        </p:nvSpPr>
+        <p:spPr/>
+        <p:txBody>
+          <a:bodyPr/>
+          <a:lstStyle/>
+          <a:p>
+            <a:pPr marL="0" lvl="0" indent="0" algn="r" rtl="0">
+              <a:spcBef>
+                <a:spcPts val="0"/>
+              </a:spcBef>
+              <a:spcAft>
+                <a:spcPts val="0"/>
+              </a:spcAft>
+              <a:buNone/>
+            </a:pPr>
+            <a:fld id="{00000000-1234-1234-1234-123412341234}" type="slidenum">
+              <a:rPr lang="en" smtClean="0"/>
+              <a:t>22</a:t>
+            </a:fld>
+            <a:endParaRPr lang="en"/>
+          </a:p>
+        </p:txBody>
+      </p:sp>
+      <p:pic>
+        <p:nvPicPr>
+          <p:cNvPr id="5" name="Picture 4">
+            <a:extLst>
+              <a:ext uri="{FF2B5EF4-FFF2-40B4-BE49-F238E27FC236}">
+                <a16:creationId xmlns:a16="http://schemas.microsoft.com/office/drawing/2014/main" id="{E1AD73B1-6339-45DB-A8EF-CF8328A46A92}"/>
+              </a:ext>
+            </a:extLst>
+          </p:cNvPr>
+          <p:cNvPicPr>
+            <a:picLocks noChangeAspect="1"/>
+          </p:cNvPicPr>
+          <p:nvPr/>
+        </p:nvPicPr>
+        <p:blipFill>
+          <a:blip r:embed="rId2"/>
+          <a:stretch>
+            <a:fillRect/>
+          </a:stretch>
+        </p:blipFill>
+        <p:spPr>
+          <a:xfrm>
+            <a:off x="814275" y="1337958"/>
+            <a:ext cx="5357926" cy="3550433"/>
+          </a:xfrm>
+          <a:prstGeom prst="rect">
+            <a:avLst/>
+          </a:prstGeom>
+        </p:spPr>
+      </p:pic>
+    </p:spTree>
+    <p:extLst>
+      <p:ext uri="{BB962C8B-B14F-4D97-AF65-F5344CB8AC3E}">
+        <p14:creationId xmlns:p14="http://schemas.microsoft.com/office/powerpoint/2010/main" val="515147496"/>
       </p:ext>
     </p:extLst>
   </p:cSld>
